--- a/Презентация три.ч.pptx
+++ b/Презентация три.ч.pptx
@@ -10,6 +10,9 @@
     <p:sldId id="258" r:id="rId4"/>
     <p:sldId id="259" r:id="rId5"/>
     <p:sldId id="260" r:id="rId6"/>
+    <p:sldId id="261" r:id="rId7"/>
+    <p:sldId id="262" r:id="rId8"/>
+    <p:sldId id="263" r:id="rId9"/>
   </p:sldIdLst>
   <p:sldSz cx="12192000" cy="6858000"/>
   <p:notesSz cx="6858000" cy="9144000"/>
@@ -4408,14 +4411,14 @@
       </p:sp>
       <p:pic>
         <p:nvPicPr>
-          <p:cNvPr id="7" name="Рисунок 6"/>
+          <p:cNvPr id="11" name="Рисунок 10"/>
           <p:cNvPicPr>
             <a:picLocks noChangeAspect="1"/>
           </p:cNvPicPr>
           <p:nvPr/>
         </p:nvPicPr>
         <p:blipFill>
-          <a:blip r:embed="rId2" cstate="print">
+          <a:blip r:embed="rId2">
             <a:extLst>
               <a:ext uri="{28A0092B-C50C-407E-A947-70E740481C1C}">
                 <a14:useLocalDpi xmlns:a14="http://schemas.microsoft.com/office/drawing/2010/main" val="0"/>
@@ -4428,24 +4431,77 @@
         </p:blipFill>
         <p:spPr>
           <a:xfrm>
-            <a:off x="30750" y="2419231"/>
-            <a:ext cx="6384116" cy="3360061"/>
+            <a:off x="140677" y="1737360"/>
+            <a:ext cx="11971606" cy="4753707"/>
           </a:xfrm>
           <a:prstGeom prst="rect">
             <a:avLst/>
           </a:prstGeom>
         </p:spPr>
       </p:pic>
+    </p:spTree>
+    <p:extLst>
+      <p:ext uri="{BB962C8B-B14F-4D97-AF65-F5344CB8AC3E}">
+        <p14:creationId xmlns:p14="http://schemas.microsoft.com/office/powerpoint/2010/main" val="437831427"/>
+      </p:ext>
+    </p:extLst>
+  </p:cSld>
+  <p:clrMapOvr>
+    <a:masterClrMapping/>
+  </p:clrMapOvr>
+</p:sld>
+</file>
+
+<file path=ppt/slides/slide6.xml><?xml version="1.0" encoding="utf-8"?>
+<p:sld xmlns:a="http://schemas.openxmlformats.org/drawingml/2006/main" xmlns:r="http://schemas.openxmlformats.org/officeDocument/2006/relationships" xmlns:p="http://schemas.openxmlformats.org/presentationml/2006/main">
+  <p:cSld>
+    <p:spTree>
+      <p:nvGrpSpPr>
+        <p:cNvPr id="1" name=""/>
+        <p:cNvGrpSpPr/>
+        <p:nvPr/>
+      </p:nvGrpSpPr>
+      <p:grpSpPr>
+        <a:xfrm>
+          <a:off x="0" y="0"/>
+          <a:ext cx="0" cy="0"/>
+          <a:chOff x="0" y="0"/>
+          <a:chExt cx="0" cy="0"/>
+        </a:xfrm>
+      </p:grpSpPr>
+      <p:sp>
+        <p:nvSpPr>
+          <p:cNvPr id="2" name="Заголовок 1"/>
+          <p:cNvSpPr>
+            <a:spLocks noGrp="1"/>
+          </p:cNvSpPr>
+          <p:nvPr>
+            <p:ph type="title"/>
+          </p:nvPr>
+        </p:nvSpPr>
+        <p:spPr/>
+        <p:txBody>
+          <a:bodyPr/>
+          <a:lstStyle/>
+          <a:p>
+            <a:r>
+              <a:rPr lang="ru-RU" dirty="0" smtClean="0"/>
+              <a:t>Скриншоты</a:t>
+            </a:r>
+            <a:endParaRPr lang="ru-RU" dirty="0"/>
+          </a:p>
+        </p:txBody>
+      </p:sp>
       <p:pic>
         <p:nvPicPr>
-          <p:cNvPr id="8" name="Рисунок 7"/>
+          <p:cNvPr id="3" name="Рисунок 2"/>
           <p:cNvPicPr>
             <a:picLocks noChangeAspect="1"/>
           </p:cNvPicPr>
           <p:nvPr/>
         </p:nvPicPr>
         <p:blipFill>
-          <a:blip r:embed="rId3" cstate="print">
+          <a:blip r:embed="rId2">
             <a:extLst>
               <a:ext uri="{28A0092B-C50C-407E-A947-70E740481C1C}">
                 <a14:useLocalDpi xmlns:a14="http://schemas.microsoft.com/office/drawing/2010/main" val="0"/>
@@ -4458,8 +4514,8 @@
         </p:blipFill>
         <p:spPr>
           <a:xfrm>
-            <a:off x="6710289" y="2419231"/>
-            <a:ext cx="5481711" cy="2868104"/>
+            <a:off x="30480" y="1737360"/>
+            <a:ext cx="12192000" cy="4688742"/>
           </a:xfrm>
           <a:prstGeom prst="rect">
             <a:avLst/>
@@ -4469,7 +4525,143 @@
     </p:spTree>
     <p:extLst>
       <p:ext uri="{BB962C8B-B14F-4D97-AF65-F5344CB8AC3E}">
-        <p14:creationId xmlns:p14="http://schemas.microsoft.com/office/powerpoint/2010/main" val="437831427"/>
+        <p14:creationId xmlns:p14="http://schemas.microsoft.com/office/powerpoint/2010/main" val="2912703207"/>
+      </p:ext>
+    </p:extLst>
+  </p:cSld>
+  <p:clrMapOvr>
+    <a:masterClrMapping/>
+  </p:clrMapOvr>
+</p:sld>
+</file>
+
+<file path=ppt/slides/slide7.xml><?xml version="1.0" encoding="utf-8"?>
+<p:sld xmlns:a="http://schemas.openxmlformats.org/drawingml/2006/main" xmlns:r="http://schemas.openxmlformats.org/officeDocument/2006/relationships" xmlns:p="http://schemas.openxmlformats.org/presentationml/2006/main">
+  <p:cSld>
+    <p:spTree>
+      <p:nvGrpSpPr>
+        <p:cNvPr id="1" name=""/>
+        <p:cNvGrpSpPr/>
+        <p:nvPr/>
+      </p:nvGrpSpPr>
+      <p:grpSpPr>
+        <a:xfrm>
+          <a:off x="0" y="0"/>
+          <a:ext cx="0" cy="0"/>
+          <a:chOff x="0" y="0"/>
+          <a:chExt cx="0" cy="0"/>
+        </a:xfrm>
+      </p:grpSpPr>
+      <p:sp>
+        <p:nvSpPr>
+          <p:cNvPr id="2" name="Заголовок 1"/>
+          <p:cNvSpPr>
+            <a:spLocks noGrp="1"/>
+          </p:cNvSpPr>
+          <p:nvPr>
+            <p:ph type="title"/>
+          </p:nvPr>
+        </p:nvSpPr>
+        <p:spPr/>
+        <p:txBody>
+          <a:bodyPr/>
+          <a:lstStyle/>
+          <a:p>
+            <a:r>
+              <a:rPr lang="ru-RU" dirty="0" smtClean="0"/>
+              <a:t>Скриншоты</a:t>
+            </a:r>
+            <a:endParaRPr lang="ru-RU" dirty="0"/>
+          </a:p>
+        </p:txBody>
+      </p:sp>
+    </p:spTree>
+    <p:extLst>
+      <p:ext uri="{BB962C8B-B14F-4D97-AF65-F5344CB8AC3E}">
+        <p14:creationId xmlns:p14="http://schemas.microsoft.com/office/powerpoint/2010/main" val="610949042"/>
+      </p:ext>
+    </p:extLst>
+  </p:cSld>
+  <p:clrMapOvr>
+    <a:masterClrMapping/>
+  </p:clrMapOvr>
+</p:sld>
+</file>
+
+<file path=ppt/slides/slide8.xml><?xml version="1.0" encoding="utf-8"?>
+<p:sld xmlns:a="http://schemas.openxmlformats.org/drawingml/2006/main" xmlns:r="http://schemas.openxmlformats.org/officeDocument/2006/relationships" xmlns:p="http://schemas.openxmlformats.org/presentationml/2006/main">
+  <p:cSld>
+    <p:spTree>
+      <p:nvGrpSpPr>
+        <p:cNvPr id="1" name=""/>
+        <p:cNvGrpSpPr/>
+        <p:nvPr/>
+      </p:nvGrpSpPr>
+      <p:grpSpPr>
+        <a:xfrm>
+          <a:off x="0" y="0"/>
+          <a:ext cx="0" cy="0"/>
+          <a:chOff x="0" y="0"/>
+          <a:chExt cx="0" cy="0"/>
+        </a:xfrm>
+      </p:grpSpPr>
+      <p:sp>
+        <p:nvSpPr>
+          <p:cNvPr id="2" name="Заголовок 1"/>
+          <p:cNvSpPr>
+            <a:spLocks noGrp="1"/>
+          </p:cNvSpPr>
+          <p:nvPr>
+            <p:ph type="title"/>
+          </p:nvPr>
+        </p:nvSpPr>
+        <p:spPr/>
+        <p:txBody>
+          <a:bodyPr/>
+          <a:lstStyle/>
+          <a:p>
+            <a:r>
+              <a:rPr lang="ru-RU" dirty="0" smtClean="0"/>
+              <a:t>Скриншоты</a:t>
+            </a:r>
+            <a:endParaRPr lang="ru-RU" dirty="0"/>
+          </a:p>
+        </p:txBody>
+      </p:sp>
+      <p:pic>
+        <p:nvPicPr>
+          <p:cNvPr id="4" name="Рисунок 3"/>
+          <p:cNvPicPr>
+            <a:picLocks noChangeAspect="1"/>
+          </p:cNvPicPr>
+          <p:nvPr/>
+        </p:nvPicPr>
+        <p:blipFill>
+          <a:blip r:embed="rId2">
+            <a:extLst>
+              <a:ext uri="{28A0092B-C50C-407E-A947-70E740481C1C}">
+                <a14:useLocalDpi xmlns:a14="http://schemas.microsoft.com/office/drawing/2010/main" val="0"/>
+              </a:ext>
+            </a:extLst>
+          </a:blip>
+          <a:stretch>
+            <a:fillRect/>
+          </a:stretch>
+        </p:blipFill>
+        <p:spPr>
+          <a:xfrm>
+            <a:off x="1097280" y="1947096"/>
+            <a:ext cx="7097115" cy="3639058"/>
+          </a:xfrm>
+          <a:prstGeom prst="rect">
+            <a:avLst/>
+          </a:prstGeom>
+        </p:spPr>
+      </p:pic>
+    </p:spTree>
+    <p:extLst>
+      <p:ext uri="{BB962C8B-B14F-4D97-AF65-F5344CB8AC3E}">
+        <p14:creationId xmlns:p14="http://schemas.microsoft.com/office/powerpoint/2010/main" val="2439588138"/>
       </p:ext>
     </p:extLst>
   </p:cSld>

--- a/Презентация три.ч.pptx
+++ b/Презентация три.ч.pptx
@@ -13,6 +13,7 @@
     <p:sldId id="261" r:id="rId7"/>
     <p:sldId id="262" r:id="rId8"/>
     <p:sldId id="263" r:id="rId9"/>
+    <p:sldId id="264" r:id="rId10"/>
   </p:sldIdLst>
   <p:sldSz cx="12192000" cy="6858000"/>
   <p:notesSz cx="6858000" cy="9144000"/>
@@ -111,6 +112,11 @@
       </a:defRPr>
     </a:lvl9pPr>
   </p:defaultTextStyle>
+  <p:extLst>
+    <p:ext uri="{EFAFB233-063F-42B5-8137-9DF3F51BA10A}">
+      <p15:sldGuideLst xmlns:p15="http://schemas.microsoft.com/office/powerpoint/2012/main"/>
+    </p:ext>
+  </p:extLst>
 </p:presentation>
 </file>
 
@@ -340,7 +346,7 @@
           <a:p>
             <a:fld id="{4C4968F5-F9E2-499A-9FBD-24FAAC7FDB4E}" type="datetimeFigureOut">
               <a:rPr lang="ru-RU" smtClean="0"/>
-              <a:t>16.03.2019</a:t>
+              <a:t>18.03.2019</a:t>
             </a:fld>
             <a:endParaRPr lang="ru-RU" dirty="0"/>
           </a:p>
@@ -548,7 +554,7 @@
           <a:p>
             <a:fld id="{4C4968F5-F9E2-499A-9FBD-24FAAC7FDB4E}" type="datetimeFigureOut">
               <a:rPr lang="ru-RU" smtClean="0"/>
-              <a:t>16.03.2019</a:t>
+              <a:t>18.03.2019</a:t>
             </a:fld>
             <a:endParaRPr lang="ru-RU" dirty="0"/>
           </a:p>
@@ -804,7 +810,7 @@
           <a:p>
             <a:fld id="{4C4968F5-F9E2-499A-9FBD-24FAAC7FDB4E}" type="datetimeFigureOut">
               <a:rPr lang="ru-RU" smtClean="0"/>
-              <a:t>16.03.2019</a:t>
+              <a:t>18.03.2019</a:t>
             </a:fld>
             <a:endParaRPr lang="ru-RU" dirty="0"/>
           </a:p>
@@ -978,7 +984,7 @@
           <a:p>
             <a:fld id="{4C4968F5-F9E2-499A-9FBD-24FAAC7FDB4E}" type="datetimeFigureOut">
               <a:rPr lang="ru-RU" smtClean="0"/>
-              <a:t>16.03.2019</a:t>
+              <a:t>18.03.2019</a:t>
             </a:fld>
             <a:endParaRPr lang="ru-RU" dirty="0"/>
           </a:p>
@@ -1321,7 +1327,7 @@
           <a:p>
             <a:fld id="{4C4968F5-F9E2-499A-9FBD-24FAAC7FDB4E}" type="datetimeFigureOut">
               <a:rPr lang="ru-RU" smtClean="0"/>
-              <a:t>16.03.2019</a:t>
+              <a:t>18.03.2019</a:t>
             </a:fld>
             <a:endParaRPr lang="ru-RU" dirty="0"/>
           </a:p>
@@ -1596,7 +1602,7 @@
           <a:p>
             <a:fld id="{4C4968F5-F9E2-499A-9FBD-24FAAC7FDB4E}" type="datetimeFigureOut">
               <a:rPr lang="ru-RU" smtClean="0"/>
-              <a:t>16.03.2019</a:t>
+              <a:t>18.03.2019</a:t>
             </a:fld>
             <a:endParaRPr lang="ru-RU" dirty="0"/>
           </a:p>
@@ -1975,7 +1981,7 @@
           <a:p>
             <a:fld id="{4C4968F5-F9E2-499A-9FBD-24FAAC7FDB4E}" type="datetimeFigureOut">
               <a:rPr lang="ru-RU" smtClean="0"/>
-              <a:t>16.03.2019</a:t>
+              <a:t>18.03.2019</a:t>
             </a:fld>
             <a:endParaRPr lang="ru-RU" dirty="0"/>
           </a:p>
@@ -2093,7 +2099,7 @@
           <a:p>
             <a:fld id="{4C4968F5-F9E2-499A-9FBD-24FAAC7FDB4E}" type="datetimeFigureOut">
               <a:rPr lang="ru-RU" smtClean="0"/>
-              <a:t>16.03.2019</a:t>
+              <a:t>18.03.2019</a:t>
             </a:fld>
             <a:endParaRPr lang="ru-RU" dirty="0"/>
           </a:p>
@@ -2264,7 +2270,7 @@
           <a:p>
             <a:fld id="{4C4968F5-F9E2-499A-9FBD-24FAAC7FDB4E}" type="datetimeFigureOut">
               <a:rPr lang="ru-RU" smtClean="0"/>
-              <a:t>16.03.2019</a:t>
+              <a:t>18.03.2019</a:t>
             </a:fld>
             <a:endParaRPr lang="ru-RU" dirty="0"/>
           </a:p>
@@ -2618,7 +2624,7 @@
           <a:p>
             <a:fld id="{4C4968F5-F9E2-499A-9FBD-24FAAC7FDB4E}" type="datetimeFigureOut">
               <a:rPr lang="ru-RU" smtClean="0"/>
-              <a:t>16.03.2019</a:t>
+              <a:t>18.03.2019</a:t>
             </a:fld>
             <a:endParaRPr lang="ru-RU" dirty="0"/>
           </a:p>
@@ -3000,7 +3006,7 @@
           <a:p>
             <a:fld id="{4C4968F5-F9E2-499A-9FBD-24FAAC7FDB4E}" type="datetimeFigureOut">
               <a:rPr lang="ru-RU" smtClean="0"/>
-              <a:t>16.03.2019</a:t>
+              <a:t>18.03.2019</a:t>
             </a:fld>
             <a:endParaRPr lang="ru-RU" dirty="0"/>
           </a:p>
@@ -3287,7 +3293,7 @@
           <a:p>
             <a:fld id="{4C4968F5-F9E2-499A-9FBD-24FAAC7FDB4E}" type="datetimeFigureOut">
               <a:rPr lang="ru-RU" smtClean="0"/>
-              <a:t>16.03.2019</a:t>
+              <a:t>18.03.2019</a:t>
             </a:fld>
             <a:endParaRPr lang="ru-RU" dirty="0"/>
           </a:p>
@@ -4671,6 +4677,109 @@
 </p:sld>
 </file>
 
+<file path=ppt/slides/slide9.xml><?xml version="1.0" encoding="utf-8"?>
+<p:sld xmlns:a="http://schemas.openxmlformats.org/drawingml/2006/main" xmlns:r="http://schemas.openxmlformats.org/officeDocument/2006/relationships" xmlns:p="http://schemas.openxmlformats.org/presentationml/2006/main">
+  <p:cSld>
+    <p:spTree>
+      <p:nvGrpSpPr>
+        <p:cNvPr id="1" name=""/>
+        <p:cNvGrpSpPr/>
+        <p:nvPr/>
+      </p:nvGrpSpPr>
+      <p:grpSpPr>
+        <a:xfrm>
+          <a:off x="0" y="0"/>
+          <a:ext cx="0" cy="0"/>
+          <a:chOff x="0" y="0"/>
+          <a:chExt cx="0" cy="0"/>
+        </a:xfrm>
+      </p:grpSpPr>
+      <p:sp>
+        <p:nvSpPr>
+          <p:cNvPr id="2" name="Заголовок 1"/>
+          <p:cNvSpPr>
+            <a:spLocks noGrp="1"/>
+          </p:cNvSpPr>
+          <p:nvPr>
+            <p:ph type="title"/>
+          </p:nvPr>
+        </p:nvSpPr>
+        <p:spPr/>
+        <p:txBody>
+          <a:bodyPr/>
+          <a:lstStyle/>
+          <a:p>
+            <a:r>
+              <a:rPr lang="ru-RU" dirty="0" smtClean="0"/>
+              <a:t>Заключение</a:t>
+            </a:r>
+            <a:endParaRPr lang="ru-RU" dirty="0"/>
+          </a:p>
+        </p:txBody>
+      </p:sp>
+      <p:sp>
+        <p:nvSpPr>
+          <p:cNvPr id="3" name="Объект 2"/>
+          <p:cNvSpPr>
+            <a:spLocks noGrp="1"/>
+          </p:cNvSpPr>
+          <p:nvPr>
+            <p:ph idx="1"/>
+          </p:nvPr>
+        </p:nvSpPr>
+        <p:spPr/>
+        <p:txBody>
+          <a:bodyPr/>
+          <a:lstStyle/>
+          <a:p>
+            <a:pPr marL="201168" lvl="1" indent="0">
+              <a:buNone/>
+            </a:pPr>
+            <a:r>
+              <a:rPr lang="ru-RU" dirty="0" smtClean="0"/>
+              <a:t>	</a:t>
+            </a:r>
+            <a:r>
+              <a:rPr lang="ru-RU" sz="2400" dirty="0" smtClean="0"/>
+              <a:t>В заключение хочу сказать, что я выполнил свою цель и создал работоспособный </a:t>
+            </a:r>
+            <a:r>
+              <a:rPr lang="ru-RU" sz="2400" dirty="0" err="1" smtClean="0"/>
+              <a:t>имиджборд</a:t>
+            </a:r>
+            <a:r>
+              <a:rPr lang="ru-RU" sz="2400" dirty="0" smtClean="0"/>
+              <a:t>. Улучшить его можно, добавив на главный экран карусель с картинками из </a:t>
+            </a:r>
+            <a:r>
+              <a:rPr lang="ru-RU" sz="2400" dirty="0" err="1" smtClean="0"/>
+              <a:t>тредов</a:t>
+            </a:r>
+            <a:r>
+              <a:rPr lang="ru-RU" sz="2400" dirty="0" smtClean="0"/>
+              <a:t>, а также профилем пользователя и возможность </a:t>
+            </a:r>
+            <a:r>
+              <a:rPr lang="ru-RU" sz="2400" smtClean="0"/>
+              <a:t>оценивать посты. </a:t>
+            </a:r>
+            <a:endParaRPr lang="ru-RU" dirty="0"/>
+          </a:p>
+        </p:txBody>
+      </p:sp>
+    </p:spTree>
+    <p:extLst>
+      <p:ext uri="{BB962C8B-B14F-4D97-AF65-F5344CB8AC3E}">
+        <p14:creationId xmlns:p14="http://schemas.microsoft.com/office/powerpoint/2010/main" val="390125411"/>
+      </p:ext>
+    </p:extLst>
+  </p:cSld>
+  <p:clrMapOvr>
+    <a:masterClrMapping/>
+  </p:clrMapOvr>
+</p:sld>
+</file>
+
 <file path=ppt/theme/theme1.xml><?xml version="1.0" encoding="utf-8"?>
 <a:theme xmlns:a="http://schemas.openxmlformats.org/drawingml/2006/main" name="Ретро">
   <a:themeElements>

--- a/Презентация три.ч.pptx
+++ b/Презентация три.ч.pptx
@@ -11,9 +11,8 @@
     <p:sldId id="259" r:id="rId5"/>
     <p:sldId id="260" r:id="rId6"/>
     <p:sldId id="261" r:id="rId7"/>
-    <p:sldId id="262" r:id="rId8"/>
-    <p:sldId id="263" r:id="rId9"/>
-    <p:sldId id="264" r:id="rId10"/>
+    <p:sldId id="263" r:id="rId8"/>
+    <p:sldId id="264" r:id="rId9"/>
   </p:sldIdLst>
   <p:sldSz cx="12192000" cy="6858000"/>
   <p:notesSz cx="6858000" cy="9144000"/>
@@ -346,7 +345,7 @@
           <a:p>
             <a:fld id="{4C4968F5-F9E2-499A-9FBD-24FAAC7FDB4E}" type="datetimeFigureOut">
               <a:rPr lang="ru-RU" smtClean="0"/>
-              <a:t>18.03.2019</a:t>
+              <a:t>01.04.2019</a:t>
             </a:fld>
             <a:endParaRPr lang="ru-RU" dirty="0"/>
           </a:p>
@@ -554,7 +553,7 @@
           <a:p>
             <a:fld id="{4C4968F5-F9E2-499A-9FBD-24FAAC7FDB4E}" type="datetimeFigureOut">
               <a:rPr lang="ru-RU" smtClean="0"/>
-              <a:t>18.03.2019</a:t>
+              <a:t>01.04.2019</a:t>
             </a:fld>
             <a:endParaRPr lang="ru-RU" dirty="0"/>
           </a:p>
@@ -810,7 +809,7 @@
           <a:p>
             <a:fld id="{4C4968F5-F9E2-499A-9FBD-24FAAC7FDB4E}" type="datetimeFigureOut">
               <a:rPr lang="ru-RU" smtClean="0"/>
-              <a:t>18.03.2019</a:t>
+              <a:t>01.04.2019</a:t>
             </a:fld>
             <a:endParaRPr lang="ru-RU" dirty="0"/>
           </a:p>
@@ -984,7 +983,7 @@
           <a:p>
             <a:fld id="{4C4968F5-F9E2-499A-9FBD-24FAAC7FDB4E}" type="datetimeFigureOut">
               <a:rPr lang="ru-RU" smtClean="0"/>
-              <a:t>18.03.2019</a:t>
+              <a:t>01.04.2019</a:t>
             </a:fld>
             <a:endParaRPr lang="ru-RU" dirty="0"/>
           </a:p>
@@ -1327,7 +1326,7 @@
           <a:p>
             <a:fld id="{4C4968F5-F9E2-499A-9FBD-24FAAC7FDB4E}" type="datetimeFigureOut">
               <a:rPr lang="ru-RU" smtClean="0"/>
-              <a:t>18.03.2019</a:t>
+              <a:t>01.04.2019</a:t>
             </a:fld>
             <a:endParaRPr lang="ru-RU" dirty="0"/>
           </a:p>
@@ -1602,7 +1601,7 @@
           <a:p>
             <a:fld id="{4C4968F5-F9E2-499A-9FBD-24FAAC7FDB4E}" type="datetimeFigureOut">
               <a:rPr lang="ru-RU" smtClean="0"/>
-              <a:t>18.03.2019</a:t>
+              <a:t>01.04.2019</a:t>
             </a:fld>
             <a:endParaRPr lang="ru-RU" dirty="0"/>
           </a:p>
@@ -1981,7 +1980,7 @@
           <a:p>
             <a:fld id="{4C4968F5-F9E2-499A-9FBD-24FAAC7FDB4E}" type="datetimeFigureOut">
               <a:rPr lang="ru-RU" smtClean="0"/>
-              <a:t>18.03.2019</a:t>
+              <a:t>01.04.2019</a:t>
             </a:fld>
             <a:endParaRPr lang="ru-RU" dirty="0"/>
           </a:p>
@@ -2099,7 +2098,7 @@
           <a:p>
             <a:fld id="{4C4968F5-F9E2-499A-9FBD-24FAAC7FDB4E}" type="datetimeFigureOut">
               <a:rPr lang="ru-RU" smtClean="0"/>
-              <a:t>18.03.2019</a:t>
+              <a:t>01.04.2019</a:t>
             </a:fld>
             <a:endParaRPr lang="ru-RU" dirty="0"/>
           </a:p>
@@ -2270,7 +2269,7 @@
           <a:p>
             <a:fld id="{4C4968F5-F9E2-499A-9FBD-24FAAC7FDB4E}" type="datetimeFigureOut">
               <a:rPr lang="ru-RU" smtClean="0"/>
-              <a:t>18.03.2019</a:t>
+              <a:t>01.04.2019</a:t>
             </a:fld>
             <a:endParaRPr lang="ru-RU" dirty="0"/>
           </a:p>
@@ -2624,7 +2623,7 @@
           <a:p>
             <a:fld id="{4C4968F5-F9E2-499A-9FBD-24FAAC7FDB4E}" type="datetimeFigureOut">
               <a:rPr lang="ru-RU" smtClean="0"/>
-              <a:t>18.03.2019</a:t>
+              <a:t>01.04.2019</a:t>
             </a:fld>
             <a:endParaRPr lang="ru-RU" dirty="0"/>
           </a:p>
@@ -3006,7 +3005,7 @@
           <a:p>
             <a:fld id="{4C4968F5-F9E2-499A-9FBD-24FAAC7FDB4E}" type="datetimeFigureOut">
               <a:rPr lang="ru-RU" smtClean="0"/>
-              <a:t>18.03.2019</a:t>
+              <a:t>01.04.2019</a:t>
             </a:fld>
             <a:endParaRPr lang="ru-RU" dirty="0"/>
           </a:p>
@@ -3293,7 +3292,7 @@
           <a:p>
             <a:fld id="{4C4968F5-F9E2-499A-9FBD-24FAAC7FDB4E}" type="datetimeFigureOut">
               <a:rPr lang="ru-RU" smtClean="0"/>
-              <a:t>18.03.2019</a:t>
+              <a:t>01.04.2019</a:t>
             </a:fld>
             <a:endParaRPr lang="ru-RU" dirty="0"/>
           </a:p>
@@ -4581,59 +4580,6 @@
           </a:p>
         </p:txBody>
       </p:sp>
-    </p:spTree>
-    <p:extLst>
-      <p:ext uri="{BB962C8B-B14F-4D97-AF65-F5344CB8AC3E}">
-        <p14:creationId xmlns:p14="http://schemas.microsoft.com/office/powerpoint/2010/main" val="610949042"/>
-      </p:ext>
-    </p:extLst>
-  </p:cSld>
-  <p:clrMapOvr>
-    <a:masterClrMapping/>
-  </p:clrMapOvr>
-</p:sld>
-</file>
-
-<file path=ppt/slides/slide8.xml><?xml version="1.0" encoding="utf-8"?>
-<p:sld xmlns:a="http://schemas.openxmlformats.org/drawingml/2006/main" xmlns:r="http://schemas.openxmlformats.org/officeDocument/2006/relationships" xmlns:p="http://schemas.openxmlformats.org/presentationml/2006/main">
-  <p:cSld>
-    <p:spTree>
-      <p:nvGrpSpPr>
-        <p:cNvPr id="1" name=""/>
-        <p:cNvGrpSpPr/>
-        <p:nvPr/>
-      </p:nvGrpSpPr>
-      <p:grpSpPr>
-        <a:xfrm>
-          <a:off x="0" y="0"/>
-          <a:ext cx="0" cy="0"/>
-          <a:chOff x="0" y="0"/>
-          <a:chExt cx="0" cy="0"/>
-        </a:xfrm>
-      </p:grpSpPr>
-      <p:sp>
-        <p:nvSpPr>
-          <p:cNvPr id="2" name="Заголовок 1"/>
-          <p:cNvSpPr>
-            <a:spLocks noGrp="1"/>
-          </p:cNvSpPr>
-          <p:nvPr>
-            <p:ph type="title"/>
-          </p:nvPr>
-        </p:nvSpPr>
-        <p:spPr/>
-        <p:txBody>
-          <a:bodyPr/>
-          <a:lstStyle/>
-          <a:p>
-            <a:r>
-              <a:rPr lang="ru-RU" dirty="0" smtClean="0"/>
-              <a:t>Скриншоты</a:t>
-            </a:r>
-            <a:endParaRPr lang="ru-RU" dirty="0"/>
-          </a:p>
-        </p:txBody>
-      </p:sp>
       <p:pic>
         <p:nvPicPr>
           <p:cNvPr id="4" name="Рисунок 3"/>
@@ -4677,7 +4623,7 @@
 </p:sld>
 </file>
 
-<file path=ppt/slides/slide9.xml><?xml version="1.0" encoding="utf-8"?>
+<file path=ppt/slides/slide8.xml><?xml version="1.0" encoding="utf-8"?>
 <p:sld xmlns:a="http://schemas.openxmlformats.org/drawingml/2006/main" xmlns:r="http://schemas.openxmlformats.org/officeDocument/2006/relationships" xmlns:p="http://schemas.openxmlformats.org/presentationml/2006/main">
   <p:cSld>
     <p:spTree>
@@ -4757,11 +4703,15 @@
             </a:r>
             <a:r>
               <a:rPr lang="ru-RU" sz="2400" dirty="0" smtClean="0"/>
-              <a:t>, а также профилем пользователя и возможность </a:t>
+              <a:t>, а также профиль пользователя и возможность </a:t>
             </a:r>
             <a:r>
               <a:rPr lang="ru-RU" sz="2400" smtClean="0"/>
-              <a:t>оценивать посты. </a:t>
+              <a:t>оценивать </a:t>
+            </a:r>
+            <a:r>
+              <a:rPr lang="ru-RU" sz="2400" smtClean="0"/>
+              <a:t>посты</a:t>
             </a:r>
             <a:endParaRPr lang="ru-RU" dirty="0"/>
           </a:p>
